--- a/PPT/01 Android测试点.pptx
+++ b/PPT/01 Android测试点.pptx
@@ -1314,10 +1314,10 @@
               <a:rPr lang="en-US" altLang="zh-CN" dirty="0"/>
               <a:t>https://blog.51cto.com/laoyinga/2155341</a:t>
             </a:r>
-            <a:endParaRPr lang="zh-CN" altLang="en-US"/>
-          </a:p>
-          <a:p>
-            <a:endParaRPr lang="en-US" altLang="zh-CN"/>
+            <a:endParaRPr lang="zh-CN" altLang="en-US" dirty="0"/>
+          </a:p>
+          <a:p>
+            <a:endParaRPr lang="en-US" altLang="zh-CN" dirty="0"/>
           </a:p>
           <a:p>
             <a:r>
@@ -11460,31 +11460,6 @@
           </a:extLst>
         </p:spPr>
       </p:pic>
-      <p:sp>
-        <p:nvSpPr>
-          <p:cNvPr id="4" name="矩形 3"/>
-          <p:cNvSpPr/>
-          <p:nvPr/>
-        </p:nvSpPr>
-        <p:spPr>
-          <a:xfrm>
-            <a:off x="1063902" y="4742810"/>
-            <a:ext cx="184731" cy="369332"/>
-          </a:xfrm>
-          <a:prstGeom prst="rect">
-            <a:avLst/>
-          </a:prstGeom>
-        </p:spPr>
-        <p:txBody>
-          <a:bodyPr wrap="none">
-            <a:spAutoFit/>
-          </a:bodyPr>
-          <a:lstStyle/>
-          <a:p>
-            <a:endParaRPr lang="zh-CN" altLang="en-US" dirty="0"/>
-          </a:p>
-        </p:txBody>
-      </p:sp>
     </p:spTree>
     <p:extLst>
       <p:ext uri="{BB962C8B-B14F-4D97-AF65-F5344CB8AC3E}">
